--- a/advanced/fig/slide.pptx
+++ b/advanced/fig/slide.pptx
@@ -243,7 +243,7 @@
           </a:lstStyle>
           <a:p>
             <a:fld id="{6B8D1B20-A248-FB47-8240-73C0C5F47C9D}" type="datetimeFigureOut">
-              <a:t>10/4/2021</a:t>
+              <a:t>2021/10/6</a:t>
             </a:fld>
             <a:endParaRPr kumimoji="1" lang="ja-JP" altLang="en-US"/>
           </a:p>
@@ -7087,53 +7087,57 @@
           <a:lstStyle/>
           <a:p>
             <a:r>
+              <a:rPr lang="ja-JP" altLang="en-US" sz="2400" dirty="0"/>
+              <a:t>複数の状態を退避可能</a:t>
+            </a:r>
+            <a:r>
+              <a:rPr lang="en-US" altLang="ja-JP" sz="2400" dirty="0"/>
+              <a:t>(</a:t>
+            </a:r>
+            <a:r>
+              <a:rPr lang="ja-JP" altLang="en-US" sz="2400" dirty="0"/>
+              <a:t>スタックになっている</a:t>
+            </a:r>
+            <a:r>
+              <a:rPr lang="en-US" altLang="ja-JP" sz="2400" dirty="0"/>
+              <a:t>)</a:t>
+            </a:r>
+          </a:p>
+          <a:p>
+            <a:r>
+              <a:rPr lang="ja-JP" altLang="en-US" sz="2400" dirty="0"/>
+              <a:t>退避した状態は</a:t>
+            </a:r>
+            <a:r>
+              <a:rPr lang="en-US" altLang="ja-JP" sz="2400" dirty="0"/>
+              <a:t>git stash list</a:t>
+            </a:r>
+            <a:r>
+              <a:rPr lang="ja-JP" altLang="en-US" sz="2400" dirty="0"/>
+              <a:t>で表示できる</a:t>
+            </a:r>
+            <a:endParaRPr lang="en-US" altLang="ja-JP" sz="2400" dirty="0"/>
+          </a:p>
+          <a:p>
+            <a:r>
+              <a:rPr lang="ja-JP" altLang="en-US" sz="2400" dirty="0"/>
+              <a:t>指定した状態を適用するには</a:t>
+            </a:r>
+            <a:r>
+              <a:rPr lang="en-US" altLang="ja-JP" sz="2400" dirty="0"/>
+              <a:t>git apply</a:t>
+            </a:r>
+          </a:p>
+          <a:p>
+            <a:r>
+              <a:rPr lang="ja-JP" altLang="en-US" sz="2400" dirty="0"/>
+              <a:t>ただし、複数退避する</a:t>
+            </a:r>
+            <a:r>
               <a:rPr lang="ja-JP" altLang="en-US" sz="2400"/>
-              <a:t>複数の状態を退避可能</a:t>
-            </a:r>
-            <a:r>
-              <a:rPr lang="en-US" altLang="ja-JP" sz="2400"/>
-              <a:t>(</a:t>
-            </a:r>
-            <a:r>
-              <a:rPr lang="ja-JP" altLang="en-US" sz="2400"/>
-              <a:t>スタックになっている</a:t>
-            </a:r>
-            <a:r>
-              <a:rPr lang="en-US" altLang="ja-JP" sz="2400"/>
-              <a:t>)</a:t>
-            </a:r>
-          </a:p>
-          <a:p>
-            <a:r>
-              <a:rPr lang="ja-JP" altLang="en-US" sz="2400"/>
-              <a:t>退避した状態は</a:t>
-            </a:r>
-            <a:r>
-              <a:rPr lang="en-US" altLang="ja-JP" sz="2400"/>
-              <a:t>git stash list</a:t>
-            </a:r>
-            <a:r>
-              <a:rPr lang="ja-JP" altLang="en-US" sz="2400"/>
-              <a:t>で表示できる</a:t>
-            </a:r>
-            <a:endParaRPr lang="en-US" altLang="ja-JP" sz="2400"/>
-          </a:p>
-          <a:p>
-            <a:r>
-              <a:rPr lang="ja-JP" altLang="en-US" sz="2400"/>
-              <a:t>指定した状態を適用するには</a:t>
-            </a:r>
-            <a:r>
-              <a:rPr lang="en-US" altLang="ja-JP" sz="2400"/>
-              <a:t>git apply</a:t>
-            </a:r>
-          </a:p>
-          <a:p>
-            <a:r>
-              <a:rPr lang="ja-JP" altLang="en-US" sz="2400"/>
-              <a:t>ただし、複数退避すると混乱すいやすい</a:t>
-            </a:r>
-            <a:endParaRPr lang="en-US" sz="2400"/>
+              <a:t>と混乱しやすい</a:t>
+            </a:r>
+            <a:endParaRPr lang="en-US" sz="2400" dirty="0"/>
           </a:p>
         </p:txBody>
       </p:sp>

--- a/advanced/fig/slide.pptx
+++ b/advanced/fig/slide.pptx
@@ -243,7 +243,7 @@
           </a:lstStyle>
           <a:p>
             <a:fld id="{6B8D1B20-A248-FB47-8240-73C0C5F47C9D}" type="datetimeFigureOut">
-              <a:t>2021/10/6</a:t>
+              <a:t>2022/9/27</a:t>
             </a:fld>
             <a:endParaRPr kumimoji="1" lang="ja-JP" altLang="en-US"/>
           </a:p>
@@ -1039,105 +1039,6 @@
       </p:grpSpPr>
       <p:sp>
         <p:nvSpPr>
-          <p:cNvPr id="4" name="円/楕円 3">
-            <a:extLst>
-              <a:ext uri="{FF2B5EF4-FFF2-40B4-BE49-F238E27FC236}">
-                <a16:creationId xmlns:a16="http://schemas.microsoft.com/office/drawing/2014/main" id="{40BD511A-FE9E-B641-A323-1F2451D0C873}"/>
-              </a:ext>
-            </a:extLst>
-          </p:cNvPr>
-          <p:cNvSpPr/>
-          <p:nvPr userDrawn="1"/>
-        </p:nvSpPr>
-        <p:spPr>
-          <a:xfrm>
-            <a:off x="8651631" y="6350558"/>
-            <a:ext cx="411982" cy="411982"/>
-          </a:xfrm>
-          <a:prstGeom prst="ellipse">
-            <a:avLst/>
-          </a:prstGeom>
-          <a:solidFill>
-            <a:schemeClr val="bg1">
-              <a:lumMod val="75000"/>
-            </a:schemeClr>
-          </a:solidFill>
-          <a:ln>
-            <a:solidFill>
-              <a:schemeClr val="bg1">
-                <a:lumMod val="85000"/>
-              </a:schemeClr>
-            </a:solidFill>
-          </a:ln>
-        </p:spPr>
-        <p:style>
-          <a:lnRef idx="2">
-            <a:schemeClr val="dk1">
-              <a:shade val="50000"/>
-            </a:schemeClr>
-          </a:lnRef>
-          <a:fillRef idx="1">
-            <a:schemeClr val="dk1"/>
-          </a:fillRef>
-          <a:effectRef idx="0">
-            <a:schemeClr val="dk1"/>
-          </a:effectRef>
-          <a:fontRef idx="minor">
-            <a:schemeClr val="lt1"/>
-          </a:fontRef>
-        </p:style>
-        <p:txBody>
-          <a:bodyPr rtlCol="0" anchor="ctr"/>
-          <a:lstStyle/>
-          <a:p>
-            <a:pPr algn="ctr"/>
-            <a:endParaRPr kumimoji="1" lang="ja-JP" altLang="en-US" sz="1050">
-              <a:latin typeface="+mj-ea"/>
-              <a:ea typeface="+mj-ea"/>
-            </a:endParaRPr>
-          </a:p>
-        </p:txBody>
-      </p:sp>
-      <p:sp>
-        <p:nvSpPr>
-          <p:cNvPr id="5" name="テキスト ボックス 4">
-            <a:extLst>
-              <a:ext uri="{FF2B5EF4-FFF2-40B4-BE49-F238E27FC236}">
-                <a16:creationId xmlns:a16="http://schemas.microsoft.com/office/drawing/2014/main" id="{80A01A1C-B0C5-904D-963A-785848775F4A}"/>
-              </a:ext>
-            </a:extLst>
-          </p:cNvPr>
-          <p:cNvSpPr txBox="1"/>
-          <p:nvPr userDrawn="1"/>
-        </p:nvSpPr>
-        <p:spPr>
-          <a:xfrm>
-            <a:off x="8661679" y="6400799"/>
-            <a:ext cx="401072" cy="307777"/>
-          </a:xfrm>
-          <a:prstGeom prst="rect">
-            <a:avLst/>
-          </a:prstGeom>
-          <a:noFill/>
-        </p:spPr>
-        <p:txBody>
-          <a:bodyPr wrap="none" rtlCol="0">
-            <a:spAutoFit/>
-          </a:bodyPr>
-          <a:lstStyle/>
-          <a:p>
-            <a:pPr algn="ctr"/>
-            <a:fld id="{E8E17320-8F29-C346-80F3-7693511BE498}" type="slidenum">
-              <a:rPr kumimoji="1" lang="ja-JP" altLang="en-US" sz="1400"/>
-              <a:pPr algn="ctr"/>
-              <a:t>‹#›</a:t>
-            </a:fld>
-            <a:endParaRPr kumimoji="1" lang="ja-JP" altLang="en-US" sz="1400"/>
-          </a:p>
-        </p:txBody>
-      </p:sp>
-      <p:sp>
-        <p:nvSpPr>
           <p:cNvPr id="7" name="テキスト プレースホルダー 6">
             <a:extLst>
               <a:ext uri="{FF2B5EF4-FFF2-40B4-BE49-F238E27FC236}">
@@ -1177,6 +1078,201 @@
           </a:lstStyle>
           <a:p>
             <a:endParaRPr kumimoji="1" lang="ja-JP" altLang="en-US"/>
+          </a:p>
+        </p:txBody>
+      </p:sp>
+      <p:sp>
+        <p:nvSpPr>
+          <p:cNvPr id="2" name="円/楕円 3">
+            <a:extLst>
+              <a:ext uri="{FF2B5EF4-FFF2-40B4-BE49-F238E27FC236}">
+                <a16:creationId xmlns:a16="http://schemas.microsoft.com/office/drawing/2014/main" id="{44BFF42D-5450-FB83-807A-9ACE0E6E0872}"/>
+              </a:ext>
+            </a:extLst>
+          </p:cNvPr>
+          <p:cNvSpPr/>
+          <p:nvPr userDrawn="1"/>
+        </p:nvSpPr>
+        <p:spPr>
+          <a:xfrm>
+            <a:off x="8497721" y="6230795"/>
+            <a:ext cx="531173" cy="531173"/>
+          </a:xfrm>
+          <a:prstGeom prst="ellipse">
+            <a:avLst/>
+          </a:prstGeom>
+          <a:solidFill>
+            <a:schemeClr val="bg1">
+              <a:lumMod val="75000"/>
+            </a:schemeClr>
+          </a:solidFill>
+          <a:ln>
+            <a:solidFill>
+              <a:schemeClr val="bg1">
+                <a:lumMod val="85000"/>
+              </a:schemeClr>
+            </a:solidFill>
+          </a:ln>
+        </p:spPr>
+        <p:style>
+          <a:lnRef idx="2">
+            <a:schemeClr val="dk1">
+              <a:shade val="50000"/>
+            </a:schemeClr>
+          </a:lnRef>
+          <a:fillRef idx="1">
+            <a:schemeClr val="dk1"/>
+          </a:fillRef>
+          <a:effectRef idx="0">
+            <a:schemeClr val="dk1"/>
+          </a:effectRef>
+          <a:fontRef idx="minor">
+            <a:schemeClr val="lt1"/>
+          </a:fontRef>
+        </p:style>
+        <p:txBody>
+          <a:bodyPr rtlCol="0" anchor="ctr"/>
+          <a:lstStyle/>
+          <a:p>
+            <a:pPr algn="ctr"/>
+            <a:endParaRPr kumimoji="1" lang="ja-JP" altLang="en-US" sz="1050">
+              <a:latin typeface="+mj-ea"/>
+              <a:ea typeface="+mj-ea"/>
+            </a:endParaRPr>
+          </a:p>
+        </p:txBody>
+      </p:sp>
+      <p:sp>
+        <p:nvSpPr>
+          <p:cNvPr id="3" name="テキスト ボックス 2">
+            <a:extLst>
+              <a:ext uri="{FF2B5EF4-FFF2-40B4-BE49-F238E27FC236}">
+                <a16:creationId xmlns:a16="http://schemas.microsoft.com/office/drawing/2014/main" id="{C070C098-4970-B0AB-CEA2-1F13CE194927}"/>
+              </a:ext>
+            </a:extLst>
+          </p:cNvPr>
+          <p:cNvSpPr txBox="1"/>
+          <p:nvPr userDrawn="1"/>
+        </p:nvSpPr>
+        <p:spPr>
+          <a:xfrm>
+            <a:off x="8491428" y="6270575"/>
+            <a:ext cx="401072" cy="307777"/>
+          </a:xfrm>
+          <a:prstGeom prst="rect">
+            <a:avLst/>
+          </a:prstGeom>
+          <a:noFill/>
+        </p:spPr>
+        <p:txBody>
+          <a:bodyPr wrap="none" rtlCol="0">
+            <a:spAutoFit/>
+          </a:bodyPr>
+          <a:lstStyle/>
+          <a:p>
+            <a:pPr algn="ctr"/>
+            <a:fld id="{E8E17320-8F29-C346-80F3-7693511BE498}" type="slidenum">
+              <a:rPr kumimoji="1" lang="ja-JP" altLang="en-US" sz="1400"/>
+              <a:pPr algn="ctr"/>
+              <a:t>‹#›</a:t>
+            </a:fld>
+            <a:endParaRPr kumimoji="1" lang="ja-JP" altLang="en-US" sz="1400" dirty="0"/>
+          </a:p>
+        </p:txBody>
+      </p:sp>
+      <p:sp>
+        <p:nvSpPr>
+          <p:cNvPr id="6" name="弦 5">
+            <a:extLst>
+              <a:ext uri="{FF2B5EF4-FFF2-40B4-BE49-F238E27FC236}">
+                <a16:creationId xmlns:a16="http://schemas.microsoft.com/office/drawing/2014/main" id="{05BFFE44-A9BB-BF5B-F1F4-ADB451665706}"/>
+              </a:ext>
+            </a:extLst>
+          </p:cNvPr>
+          <p:cNvSpPr/>
+          <p:nvPr userDrawn="1"/>
+        </p:nvSpPr>
+        <p:spPr>
+          <a:xfrm rot="16200000">
+            <a:off x="8491626" y="6224701"/>
+            <a:ext cx="588253" cy="576063"/>
+          </a:xfrm>
+          <a:prstGeom prst="chord">
+            <a:avLst>
+              <a:gd name="adj1" fmla="val 2700000"/>
+              <a:gd name="adj2" fmla="val 14142403"/>
+            </a:avLst>
+          </a:prstGeom>
+          <a:solidFill>
+            <a:schemeClr val="bg1">
+              <a:lumMod val="65000"/>
+            </a:schemeClr>
+          </a:solidFill>
+          <a:ln>
+            <a:noFill/>
+          </a:ln>
+          <a:effectLst>
+            <a:softEdge rad="31750"/>
+          </a:effectLst>
+        </p:spPr>
+        <p:style>
+          <a:lnRef idx="2">
+            <a:schemeClr val="accent1">
+              <a:shade val="50000"/>
+            </a:schemeClr>
+          </a:lnRef>
+          <a:fillRef idx="1">
+            <a:schemeClr val="accent1"/>
+          </a:fillRef>
+          <a:effectRef idx="0">
+            <a:schemeClr val="accent1"/>
+          </a:effectRef>
+          <a:fontRef idx="minor">
+            <a:schemeClr val="lt1"/>
+          </a:fontRef>
+        </p:style>
+        <p:txBody>
+          <a:bodyPr rtlCol="0" anchor="ctr"/>
+          <a:lstStyle/>
+          <a:p>
+            <a:pPr algn="ctr"/>
+            <a:endParaRPr kumimoji="1" lang="ja-JP" altLang="en-US" dirty="0"/>
+          </a:p>
+        </p:txBody>
+      </p:sp>
+      <p:sp>
+        <p:nvSpPr>
+          <p:cNvPr id="8" name="テキスト ボックス 7">
+            <a:extLst>
+              <a:ext uri="{FF2B5EF4-FFF2-40B4-BE49-F238E27FC236}">
+                <a16:creationId xmlns:a16="http://schemas.microsoft.com/office/drawing/2014/main" id="{BDEBA9B1-E2C0-F517-1A52-D8E7435E2961}"/>
+              </a:ext>
+            </a:extLst>
+          </p:cNvPr>
+          <p:cNvSpPr txBox="1"/>
+          <p:nvPr userDrawn="1"/>
+        </p:nvSpPr>
+        <p:spPr>
+          <a:xfrm>
+            <a:off x="8596070" y="6442913"/>
+            <a:ext cx="496310" cy="307777"/>
+          </a:xfrm>
+          <a:prstGeom prst="rect">
+            <a:avLst/>
+          </a:prstGeom>
+          <a:noFill/>
+        </p:spPr>
+        <p:txBody>
+          <a:bodyPr wrap="square" rtlCol="0">
+            <a:spAutoFit/>
+          </a:bodyPr>
+          <a:lstStyle/>
+          <a:p>
+            <a:pPr algn="ctr"/>
+            <a:r>
+              <a:rPr kumimoji="1" lang="en-US" altLang="ja-JP" sz="1400" dirty="0"/>
+              <a:t>37</a:t>
+            </a:r>
           </a:p>
         </p:txBody>
       </p:sp>
